--- a/Presentation and Documentation/The Coders - Presentation.pptx
+++ b/Presentation and Documentation/The Coders - Presentation.pptx
@@ -9,12 +9,12 @@
   </p:notesMasterIdLst>
   <p:sldIdLst>
     <p:sldId id="276" r:id="rId5"/>
-    <p:sldId id="271" r:id="rId6"/>
-    <p:sldId id="272" r:id="rId7"/>
-    <p:sldId id="273" r:id="rId8"/>
-    <p:sldId id="275" r:id="rId9"/>
-    <p:sldId id="277" r:id="rId10"/>
-    <p:sldId id="278" r:id="rId11"/>
+    <p:sldId id="278" r:id="rId6"/>
+    <p:sldId id="271" r:id="rId7"/>
+    <p:sldId id="272" r:id="rId8"/>
+    <p:sldId id="273" r:id="rId9"/>
+    <p:sldId id="275" r:id="rId10"/>
+    <p:sldId id="277" r:id="rId11"/>
     <p:sldId id="274" r:id="rId12"/>
   </p:sldIdLst>
   <p:sldSz cx="12192000" cy="6858000"/>
@@ -212,7 +212,7 @@
           <a:p>
             <a:fld id="{DD8176FF-F5B4-4D45-8779-9F0F455743E8}" type="datetimeFigureOut">
               <a:rPr lang="en-US" smtClean="0"/>
-              <a:t>11/7/2021</a:t>
+              <a:t>11/8/2021</a:t>
             </a:fld>
             <a:endParaRPr lang="en-US" dirty="0"/>
           </a:p>
@@ -626,7 +626,7 @@
           <a:p>
             <a:fld id="{60ADF3C0-B1FB-42DC-B478-AF84C3CE5C3C}" type="datetime1">
               <a:rPr lang="en-US" smtClean="0"/>
-              <a:t>11/7/2021</a:t>
+              <a:t>11/8/2021</a:t>
             </a:fld>
             <a:endParaRPr lang="en-US" dirty="0"/>
           </a:p>
@@ -825,7 +825,7 @@
           <a:p>
             <a:fld id="{B31DA58D-CE36-42FB-A681-D4975774D88C}" type="datetime1">
               <a:rPr lang="en-US" smtClean="0"/>
-              <a:t>11/7/2021</a:t>
+              <a:t>11/8/2021</a:t>
             </a:fld>
             <a:endParaRPr lang="en-US" dirty="0"/>
           </a:p>
@@ -1033,7 +1033,7 @@
           <a:p>
             <a:fld id="{E905E26B-855B-4DB6-BFA6-A35E4D51FCF3}" type="datetime1">
               <a:rPr lang="en-US" smtClean="0"/>
-              <a:t>11/7/2021</a:t>
+              <a:t>11/8/2021</a:t>
             </a:fld>
             <a:endParaRPr lang="en-US" dirty="0"/>
           </a:p>
@@ -1231,7 +1231,7 @@
           <a:p>
             <a:fld id="{80EDD5F4-8AF8-46B9-B655-FECF27EF63FD}" type="datetime1">
               <a:rPr lang="en-US" smtClean="0"/>
-              <a:t>11/7/2021</a:t>
+              <a:t>11/8/2021</a:t>
             </a:fld>
             <a:endParaRPr lang="en-US" dirty="0"/>
           </a:p>
@@ -1506,7 +1506,7 @@
           <a:p>
             <a:fld id="{8C119408-9C27-42D0-A3E3-2484768A8F22}" type="datetime1">
               <a:rPr lang="en-US" smtClean="0"/>
-              <a:t>11/7/2021</a:t>
+              <a:t>11/8/2021</a:t>
             </a:fld>
             <a:endParaRPr lang="en-US" dirty="0"/>
           </a:p>
@@ -1771,7 +1771,7 @@
           <a:p>
             <a:fld id="{409DC33F-8D7B-46CC-9F59-1A17976147CE}" type="datetime1">
               <a:rPr lang="en-US" smtClean="0"/>
-              <a:t>11/7/2021</a:t>
+              <a:t>11/8/2021</a:t>
             </a:fld>
             <a:endParaRPr lang="en-US" dirty="0"/>
           </a:p>
@@ -2183,7 +2183,7 @@
           <a:p>
             <a:fld id="{4082513A-523B-4CD2-9C8B-D457F28F4ABD}" type="datetime1">
               <a:rPr lang="en-US" smtClean="0"/>
-              <a:t>11/7/2021</a:t>
+              <a:t>11/8/2021</a:t>
             </a:fld>
             <a:endParaRPr lang="en-US" dirty="0"/>
           </a:p>
@@ -2324,7 +2324,7 @@
           <a:p>
             <a:fld id="{FB5548E7-81A7-49BE-B31E-01672C55CDBE}" type="datetime1">
               <a:rPr lang="en-US" smtClean="0"/>
-              <a:t>11/7/2021</a:t>
+              <a:t>11/8/2021</a:t>
             </a:fld>
             <a:endParaRPr lang="en-US" dirty="0"/>
           </a:p>
@@ -2437,7 +2437,7 @@
           <a:p>
             <a:fld id="{C408A03C-BA82-4F79-A730-B582D55F1D51}" type="datetime1">
               <a:rPr lang="en-US" smtClean="0"/>
-              <a:t>11/7/2021</a:t>
+              <a:t>11/8/2021</a:t>
             </a:fld>
             <a:endParaRPr lang="en-US" dirty="0"/>
           </a:p>
@@ -2748,7 +2748,7 @@
           <a:p>
             <a:fld id="{8E417FC7-A8BD-4D51-8A8C-57C129BB2ED5}" type="datetime1">
               <a:rPr lang="en-US" smtClean="0"/>
-              <a:t>11/7/2021</a:t>
+              <a:t>11/8/2021</a:t>
             </a:fld>
             <a:endParaRPr lang="en-US" dirty="0"/>
           </a:p>
@@ -3036,7 +3036,7 @@
           <a:p>
             <a:fld id="{EA4FA73F-E3AE-4666-833E-DAC3CC7447FA}" type="datetime1">
               <a:rPr lang="en-US" smtClean="0"/>
-              <a:t>11/7/2021</a:t>
+              <a:t>11/8/2021</a:t>
             </a:fld>
             <a:endParaRPr lang="en-US" dirty="0"/>
           </a:p>
@@ -3279,7 +3279,7 @@
           <a:p>
             <a:fld id="{EA4FA73F-E3AE-4666-833E-DAC3CC7447FA}" type="datetime1">
               <a:rPr lang="en-US" smtClean="0"/>
-              <a:t>11/7/2021</a:t>
+              <a:t>11/8/2021</a:t>
             </a:fld>
             <a:endParaRPr lang="en-US" dirty="0"/>
           </a:p>
@@ -4245,7 +4245,7 @@
           <p:cNvPr id="8" name="Rectangle 7">
             <a:extLst>
               <a:ext uri="{FF2B5EF4-FFF2-40B4-BE49-F238E27FC236}">
-                <a16:creationId xmlns:a16="http://schemas.microsoft.com/office/drawing/2014/main" id="{4E1BEB12-92AF-4445-98AD-4C7756E7C93B}"/>
+                <a16:creationId xmlns:a16="http://schemas.microsoft.com/office/drawing/2014/main" id="{907EF6B7-1338-4443-8C46-6A318D952DFD}"/>
               </a:ext>
               <a:ext uri="{C183D7F6-B498-43B3-948B-1728B52AA6E4}">
                 <adec:decorative xmlns:adec="http://schemas.microsoft.com/office/drawing/2017/decorative" val="1"/>
@@ -4302,10 +4302,10 @@
       </p:sp>
       <p:sp>
         <p:nvSpPr>
-          <p:cNvPr id="10" name="Rectangle 9">
-            <a:extLst>
-              <a:ext uri="{FF2B5EF4-FFF2-40B4-BE49-F238E27FC236}">
-                <a16:creationId xmlns:a16="http://schemas.microsoft.com/office/drawing/2014/main" id="{D0522C2C-7B5C-48A7-A969-03941E5D2E76}"/>
+          <p:cNvPr id="10" name="Freeform: Shape 9">
+            <a:extLst>
+              <a:ext uri="{FF2B5EF4-FFF2-40B4-BE49-F238E27FC236}">
+                <a16:creationId xmlns:a16="http://schemas.microsoft.com/office/drawing/2014/main" id="{DAAE4CDD-124C-4DCF-9584-B6033B545DD5}"/>
               </a:ext>
               <a:ext uri="{C183D7F6-B498-43B3-948B-1728B52AA6E4}">
                 <adec:decorative xmlns:adec="http://schemas.microsoft.com/office/drawing/2017/decorative" val="1"/>
@@ -4325,12 +4325,83 @@
         </p:nvSpPr>
         <p:spPr>
           <a:xfrm>
-            <a:off x="0" y="0"/>
-            <a:ext cx="12192000" cy="6858000"/>
+            <a:off x="1" y="0"/>
+            <a:ext cx="4167271" cy="6858000"/>
           </a:xfrm>
-          <a:prstGeom prst="rect">
+          <a:custGeom>
             <a:avLst/>
-          </a:prstGeom>
+            <a:gdLst>
+              <a:gd name="connsiteX0" fmla="*/ 0 w 4167271"/>
+              <a:gd name="connsiteY0" fmla="*/ 0 h 6858000"/>
+              <a:gd name="connsiteX1" fmla="*/ 2259550 w 4167271"/>
+              <a:gd name="connsiteY1" fmla="*/ 0 h 6858000"/>
+              <a:gd name="connsiteX2" fmla="*/ 2387803 w 4167271"/>
+              <a:gd name="connsiteY2" fmla="*/ 82222 h 6858000"/>
+              <a:gd name="connsiteX3" fmla="*/ 4167271 w 4167271"/>
+              <a:gd name="connsiteY3" fmla="*/ 3429000 h 6858000"/>
+              <a:gd name="connsiteX4" fmla="*/ 2387803 w 4167271"/>
+              <a:gd name="connsiteY4" fmla="*/ 6775779 h 6858000"/>
+              <a:gd name="connsiteX5" fmla="*/ 2259550 w 4167271"/>
+              <a:gd name="connsiteY5" fmla="*/ 6858000 h 6858000"/>
+              <a:gd name="connsiteX6" fmla="*/ 0 w 4167271"/>
+              <a:gd name="connsiteY6" fmla="*/ 6858000 h 6858000"/>
+            </a:gdLst>
+            <a:ahLst/>
+            <a:cxnLst>
+              <a:cxn ang="0">
+                <a:pos x="connsiteX0" y="connsiteY0"/>
+              </a:cxn>
+              <a:cxn ang="0">
+                <a:pos x="connsiteX1" y="connsiteY1"/>
+              </a:cxn>
+              <a:cxn ang="0">
+                <a:pos x="connsiteX2" y="connsiteY2"/>
+              </a:cxn>
+              <a:cxn ang="0">
+                <a:pos x="connsiteX3" y="connsiteY3"/>
+              </a:cxn>
+              <a:cxn ang="0">
+                <a:pos x="connsiteX4" y="connsiteY4"/>
+              </a:cxn>
+              <a:cxn ang="0">
+                <a:pos x="connsiteX5" y="connsiteY5"/>
+              </a:cxn>
+              <a:cxn ang="0">
+                <a:pos x="connsiteX6" y="connsiteY6"/>
+              </a:cxn>
+            </a:cxnLst>
+            <a:rect l="l" t="t" r="r" b="b"/>
+            <a:pathLst>
+              <a:path w="4167271" h="6858000">
+                <a:moveTo>
+                  <a:pt x="0" y="0"/>
+                </a:moveTo>
+                <a:lnTo>
+                  <a:pt x="2259550" y="0"/>
+                </a:lnTo>
+                <a:lnTo>
+                  <a:pt x="2387803" y="82222"/>
+                </a:lnTo>
+                <a:cubicBezTo>
+                  <a:pt x="3461407" y="807534"/>
+                  <a:pt x="4167271" y="2035835"/>
+                  <a:pt x="4167271" y="3429000"/>
+                </a:cubicBezTo>
+                <a:cubicBezTo>
+                  <a:pt x="4167271" y="4822165"/>
+                  <a:pt x="3461407" y="6050467"/>
+                  <a:pt x="2387803" y="6775779"/>
+                </a:cubicBezTo>
+                <a:lnTo>
+                  <a:pt x="2259550" y="6858000"/>
+                </a:lnTo>
+                <a:lnTo>
+                  <a:pt x="0" y="6858000"/>
+                </a:lnTo>
+                <a:close/>
+              </a:path>
+            </a:pathLst>
+          </a:custGeom>
           <a:solidFill>
             <a:schemeClr val="accent2"/>
           </a:solidFill>
@@ -4359,20 +4430,55 @@
           <a:lstStyle/>
           <a:p>
             <a:pPr algn="ctr"/>
-            <a:endParaRPr lang="en-US">
-              <a:solidFill>
-                <a:schemeClr val="tx1"/>
-              </a:solidFill>
-            </a:endParaRPr>
+            <a:endParaRPr lang="en-US"/>
           </a:p>
         </p:txBody>
       </p:sp>
       <p:sp>
         <p:nvSpPr>
-          <p:cNvPr id="12" name="Freeform 13">
-            <a:extLst>
-              <a:ext uri="{FF2B5EF4-FFF2-40B4-BE49-F238E27FC236}">
-                <a16:creationId xmlns:a16="http://schemas.microsoft.com/office/drawing/2014/main" id="{9C682A1A-5B2D-4111-BBD6-620165633E5B}"/>
+          <p:cNvPr id="2" name="Title 1">
+            <a:extLst>
+              <a:ext uri="{FF2B5EF4-FFF2-40B4-BE49-F238E27FC236}">
+                <a16:creationId xmlns:a16="http://schemas.microsoft.com/office/drawing/2014/main" id="{BE4DFA38-4F8F-4882-93C0-2FDCC9062E62}"/>
+              </a:ext>
+            </a:extLst>
+          </p:cNvPr>
+          <p:cNvSpPr>
+            <a:spLocks noGrp="1"/>
+          </p:cNvSpPr>
+          <p:nvPr>
+            <p:ph type="title"/>
+          </p:nvPr>
+        </p:nvSpPr>
+        <p:spPr>
+          <a:xfrm>
+            <a:off x="686834" y="1153572"/>
+            <a:ext cx="3200400" cy="4461163"/>
+          </a:xfrm>
+        </p:spPr>
+        <p:txBody>
+          <a:bodyPr>
+            <a:normAutofit/>
+          </a:bodyPr>
+          <a:lstStyle/>
+          <a:p>
+            <a:r>
+              <a:rPr lang="en-US" dirty="0">
+                <a:solidFill>
+                  <a:srgbClr val="FFFFFF"/>
+                </a:solidFill>
+              </a:rPr>
+              <a:t>Contenders</a:t>
+            </a:r>
+          </a:p>
+        </p:txBody>
+      </p:sp>
+      <p:sp>
+        <p:nvSpPr>
+          <p:cNvPr id="12" name="Arc 11">
+            <a:extLst>
+              <a:ext uri="{FF2B5EF4-FFF2-40B4-BE49-F238E27FC236}">
+                <a16:creationId xmlns:a16="http://schemas.microsoft.com/office/drawing/2014/main" id="{081E4A58-353D-44AE-B2FC-2A74E2E400F7}"/>
               </a:ext>
               <a:ext uri="{C183D7F6-B498-43B3-948B-1728B52AA6E4}">
                 <adec:decorative xmlns:adec="http://schemas.microsoft.com/office/drawing/2017/decorative" val="1"/>
@@ -4391,289 +4497,18 @@
           </p:nvPr>
         </p:nvSpPr>
         <p:spPr>
-          <a:xfrm>
-            <a:off x="2769476" y="220196"/>
-            <a:ext cx="9422524" cy="6637806"/>
-          </a:xfrm>
-          <a:custGeom>
-            <a:avLst/>
-            <a:gdLst>
-              <a:gd name="connsiteX0" fmla="*/ 4929467 w 8191500"/>
-              <a:gd name="connsiteY0" fmla="*/ 0 h 5770597"/>
-              <a:gd name="connsiteX1" fmla="*/ 8065066 w 8191500"/>
-              <a:gd name="connsiteY1" fmla="*/ 1118513 h 5770597"/>
-              <a:gd name="connsiteX2" fmla="*/ 8191500 w 8191500"/>
-              <a:gd name="connsiteY2" fmla="*/ 1227339 h 5770597"/>
-              <a:gd name="connsiteX3" fmla="*/ 8191500 w 8191500"/>
-              <a:gd name="connsiteY3" fmla="*/ 5770597 h 5770597"/>
-              <a:gd name="connsiteX4" fmla="*/ 79523 w 8191500"/>
-              <a:gd name="connsiteY4" fmla="*/ 5770597 h 5770597"/>
-              <a:gd name="connsiteX5" fmla="*/ 56799 w 8191500"/>
-              <a:gd name="connsiteY5" fmla="*/ 5644158 h 5770597"/>
-              <a:gd name="connsiteX6" fmla="*/ 0 w 8191500"/>
-              <a:gd name="connsiteY6" fmla="*/ 4898209 h 5770597"/>
-              <a:gd name="connsiteX7" fmla="*/ 4929467 w 8191500"/>
-              <a:gd name="connsiteY7" fmla="*/ 0 h 5770597"/>
-            </a:gdLst>
-            <a:ahLst/>
-            <a:cxnLst>
-              <a:cxn ang="0">
-                <a:pos x="connsiteX0" y="connsiteY0"/>
-              </a:cxn>
-              <a:cxn ang="0">
-                <a:pos x="connsiteX1" y="connsiteY1"/>
-              </a:cxn>
-              <a:cxn ang="0">
-                <a:pos x="connsiteX2" y="connsiteY2"/>
-              </a:cxn>
-              <a:cxn ang="0">
-                <a:pos x="connsiteX3" y="connsiteY3"/>
-              </a:cxn>
-              <a:cxn ang="0">
-                <a:pos x="connsiteX4" y="connsiteY4"/>
-              </a:cxn>
-              <a:cxn ang="0">
-                <a:pos x="connsiteX5" y="connsiteY5"/>
-              </a:cxn>
-              <a:cxn ang="0">
-                <a:pos x="connsiteX6" y="connsiteY6"/>
-              </a:cxn>
-              <a:cxn ang="0">
-                <a:pos x="connsiteX7" y="connsiteY7"/>
-              </a:cxn>
-            </a:cxnLst>
-            <a:rect l="l" t="t" r="r" b="b"/>
-            <a:pathLst>
-              <a:path w="8191500" h="5770597">
-                <a:moveTo>
-                  <a:pt x="4929467" y="0"/>
-                </a:moveTo>
-                <a:cubicBezTo>
-                  <a:pt x="6120547" y="0"/>
-                  <a:pt x="7212963" y="419755"/>
-                  <a:pt x="8065066" y="1118513"/>
-                </a:cubicBezTo>
-                <a:lnTo>
-                  <a:pt x="8191500" y="1227339"/>
-                </a:lnTo>
-                <a:lnTo>
-                  <a:pt x="8191500" y="5770597"/>
-                </a:lnTo>
-                <a:lnTo>
-                  <a:pt x="79523" y="5770597"/>
-                </a:lnTo>
-                <a:lnTo>
-                  <a:pt x="56799" y="5644158"/>
-                </a:lnTo>
-                <a:cubicBezTo>
-                  <a:pt x="19398" y="5400934"/>
-                  <a:pt x="0" y="5151822"/>
-                  <a:pt x="0" y="4898209"/>
-                </a:cubicBezTo>
-                <a:cubicBezTo>
-                  <a:pt x="0" y="2193003"/>
-                  <a:pt x="2206998" y="0"/>
-                  <a:pt x="4929467" y="0"/>
-                </a:cubicBezTo>
-                <a:close/>
-              </a:path>
-            </a:pathLst>
-          </a:custGeom>
-          <a:solidFill>
-            <a:schemeClr val="bg1"/>
-          </a:solidFill>
-          <a:ln>
-            <a:noFill/>
-          </a:ln>
-        </p:spPr>
-        <p:style>
-          <a:lnRef idx="2">
-            <a:schemeClr val="accent1">
-              <a:shade val="50000"/>
-            </a:schemeClr>
-          </a:lnRef>
-          <a:fillRef idx="1">
-            <a:schemeClr val="accent1"/>
-          </a:fillRef>
-          <a:effectRef idx="0">
-            <a:schemeClr val="accent1"/>
-          </a:effectRef>
-          <a:fontRef idx="minor">
-            <a:schemeClr val="lt1"/>
-          </a:fontRef>
-        </p:style>
-        <p:txBody>
-          <a:bodyPr wrap="square" rtlCol="0" anchor="ctr">
-            <a:noAutofit/>
-          </a:bodyPr>
-          <a:lstStyle/>
-          <a:p>
-            <a:pPr marL="0" marR="0" lvl="0" indent="0" algn="ctr" defTabSz="914400" rtl="0" eaLnBrk="1" fontAlgn="auto" latinLnBrk="0" hangingPunct="1">
-              <a:lnSpc>
-                <a:spcPct val="100000"/>
-              </a:lnSpc>
-              <a:spcBef>
-                <a:spcPts val="0"/>
-              </a:spcBef>
-              <a:spcAft>
-                <a:spcPts val="0"/>
-              </a:spcAft>
-              <a:buClrTx/>
-              <a:buSzTx/>
-              <a:buFontTx/>
-              <a:buNone/>
-              <a:tabLst/>
-              <a:defRPr/>
-            </a:pPr>
-            <a:endParaRPr kumimoji="0" lang="en-US" sz="1800" b="0" i="0" u="none" strike="noStrike" kern="1200" cap="none" spc="0" normalizeH="0" baseline="0" noProof="0">
-              <a:ln>
-                <a:noFill/>
-              </a:ln>
-              <a:solidFill>
-                <a:srgbClr val="FFFFFF"/>
-              </a:solidFill>
-              <a:effectLst/>
-              <a:uLnTx/>
-              <a:uFillTx/>
-              <a:latin typeface="Calibri" panose="020F0502020204030204"/>
-              <a:ea typeface="+mn-ea"/>
-              <a:cs typeface="+mn-cs"/>
-            </a:endParaRPr>
-          </a:p>
-        </p:txBody>
-      </p:sp>
-      <p:sp>
-        <p:nvSpPr>
-          <p:cNvPr id="14" name="Oval 13">
-            <a:extLst>
-              <a:ext uri="{FF2B5EF4-FFF2-40B4-BE49-F238E27FC236}">
-                <a16:creationId xmlns:a16="http://schemas.microsoft.com/office/drawing/2014/main" id="{D6EE29F2-D77F-4BD0-A20B-334D316A1C9D}"/>
-              </a:ext>
-              <a:ext uri="{C183D7F6-B498-43B3-948B-1728B52AA6E4}">
-                <adec:decorative xmlns:adec="http://schemas.microsoft.com/office/drawing/2017/decorative" val="1"/>
-              </a:ext>
-            </a:extLst>
-          </p:cNvPr>
-          <p:cNvSpPr>
-            <a:spLocks noGrp="1" noRot="1" noChangeAspect="1" noMove="1" noResize="1" noEditPoints="1" noAdjustHandles="1" noChangeArrowheads="1" noChangeShapeType="1" noTextEdit="1"/>
-          </p:cNvSpPr>
-          <p:nvPr>
-            <p:extLst>
-              <p:ext uri="{386F3935-93C4-4BCD-93E2-E3B085C9AB24}">
-                <p16:designElem xmlns:p16="http://schemas.microsoft.com/office/powerpoint/2015/main" val="1"/>
-              </p:ext>
-            </p:extLst>
-          </p:nvPr>
-        </p:nvSpPr>
-        <p:spPr>
-          <a:xfrm>
-            <a:off x="2209800" y="2099696"/>
-            <a:ext cx="1942241" cy="1889551"/>
-          </a:xfrm>
-          <a:prstGeom prst="ellipse">
-            <a:avLst/>
-          </a:prstGeom>
-          <a:solidFill>
-            <a:schemeClr val="accent4"/>
-          </a:solidFill>
-          <a:ln>
-            <a:noFill/>
-          </a:ln>
-        </p:spPr>
-        <p:style>
-          <a:lnRef idx="2">
-            <a:schemeClr val="accent1">
-              <a:shade val="50000"/>
-            </a:schemeClr>
-          </a:lnRef>
-          <a:fillRef idx="1">
-            <a:schemeClr val="accent1"/>
-          </a:fillRef>
-          <a:effectRef idx="0">
-            <a:schemeClr val="accent1"/>
-          </a:effectRef>
-          <a:fontRef idx="minor">
-            <a:schemeClr val="lt1"/>
-          </a:fontRef>
-        </p:style>
-        <p:txBody>
-          <a:bodyPr rtlCol="0" anchor="ctr"/>
-          <a:lstStyle/>
-          <a:p>
-            <a:pPr marL="0" marR="0" lvl="0" indent="0" algn="ctr" defTabSz="914400" rtl="0" eaLnBrk="1" fontAlgn="auto" latinLnBrk="0" hangingPunct="1">
-              <a:lnSpc>
-                <a:spcPct val="100000"/>
-              </a:lnSpc>
-              <a:spcBef>
-                <a:spcPts val="0"/>
-              </a:spcBef>
-              <a:spcAft>
-                <a:spcPts val="0"/>
-              </a:spcAft>
-              <a:buClrTx/>
-              <a:buSzTx/>
-              <a:buFontTx/>
-              <a:buNone/>
-              <a:tabLst/>
-              <a:defRPr/>
-            </a:pPr>
-            <a:endParaRPr kumimoji="0" lang="en-US" sz="1800" b="0" i="0" u="none" strike="noStrike" kern="1200" cap="none" spc="0" normalizeH="0" baseline="0" noProof="0">
-              <a:ln>
-                <a:noFill/>
-              </a:ln>
-              <a:solidFill>
-                <a:srgbClr val="FFFFFF"/>
-              </a:solidFill>
-              <a:effectLst/>
-              <a:uLnTx/>
-              <a:uFillTx/>
-              <a:latin typeface="Calibri" panose="020F0502020204030204"/>
-              <a:ea typeface="+mn-ea"/>
-              <a:cs typeface="+mn-cs"/>
-            </a:endParaRPr>
-          </a:p>
-        </p:txBody>
-      </p:sp>
-      <p:sp>
-        <p:nvSpPr>
-          <p:cNvPr id="16" name="Arc 15">
-            <a:extLst>
-              <a:ext uri="{FF2B5EF4-FFF2-40B4-BE49-F238E27FC236}">
-                <a16:creationId xmlns:a16="http://schemas.microsoft.com/office/drawing/2014/main" id="{22D09ED2-868F-42C6-866E-F92E0CEF314F}"/>
-              </a:ext>
-              <a:ext uri="{C183D7F6-B498-43B3-948B-1728B52AA6E4}">
-                <adec:decorative xmlns:adec="http://schemas.microsoft.com/office/drawing/2017/decorative" val="1"/>
-              </a:ext>
-            </a:extLst>
-          </p:cNvPr>
-          <p:cNvSpPr>
-            <a:spLocks noGrp="1" noRot="1" noChangeAspect="1" noMove="1" noResize="1" noEditPoints="1" noAdjustHandles="1" noChangeArrowheads="1" noChangeShapeType="1" noTextEdit="1"/>
-          </p:cNvSpPr>
-          <p:nvPr>
-            <p:extLst>
-              <p:ext uri="{386F3935-93C4-4BCD-93E2-E3B085C9AB24}">
-                <p16:designElem xmlns:p16="http://schemas.microsoft.com/office/powerpoint/2015/main" val="1"/>
-              </p:ext>
-            </p:extLst>
-          </p:nvPr>
-        </p:nvSpPr>
-        <p:spPr>
-          <a:xfrm rot="18520172">
-            <a:off x="1613162" y="1492572"/>
-            <a:ext cx="2987899" cy="2987899"/>
+          <a:xfrm flipV="1">
+            <a:off x="7550402" y="2455479"/>
+            <a:ext cx="4083433" cy="4083433"/>
           </a:xfrm>
           <a:prstGeom prst="arc">
-            <a:avLst>
-              <a:gd name="adj1" fmla="val 14455503"/>
-              <a:gd name="adj2" fmla="val 227775"/>
-            </a:avLst>
+            <a:avLst/>
           </a:prstGeom>
           <a:ln w="127000" cap="rnd">
             <a:solidFill>
               <a:schemeClr val="accent4"/>
             </a:solidFill>
             <a:prstDash val="dash"/>
-            <a:miter lim="800000"/>
           </a:ln>
         </p:spPr>
         <p:style>
@@ -4694,122 +4529,103 @@
           <a:bodyPr rtlCol="0" anchor="ctr"/>
           <a:lstStyle/>
           <a:p>
-            <a:pPr marL="0" marR="0" lvl="0" indent="0" algn="ctr" defTabSz="914400" rtl="0" eaLnBrk="1" fontAlgn="auto" latinLnBrk="0" hangingPunct="1">
-              <a:lnSpc>
-                <a:spcPct val="100000"/>
-              </a:lnSpc>
-              <a:spcBef>
-                <a:spcPts val="0"/>
-              </a:spcBef>
-              <a:spcAft>
-                <a:spcPts val="0"/>
-              </a:spcAft>
-              <a:buClrTx/>
-              <a:buSzTx/>
-              <a:buFontTx/>
-              <a:buNone/>
-              <a:tabLst/>
-              <a:defRPr/>
-            </a:pPr>
-            <a:endParaRPr kumimoji="0" lang="en-US" sz="1800" b="0" i="0" u="none" strike="noStrike" kern="1200" cap="none" spc="0" normalizeH="0" baseline="0" noProof="0">
-              <a:ln>
-                <a:noFill/>
-              </a:ln>
-              <a:solidFill>
-                <a:srgbClr val="000000"/>
-              </a:solidFill>
-              <a:effectLst/>
-              <a:uLnTx/>
-              <a:uFillTx/>
-              <a:latin typeface="Calibri" panose="020F0502020204030204"/>
-              <a:ea typeface="+mn-ea"/>
-              <a:cs typeface="+mn-cs"/>
-            </a:endParaRPr>
+            <a:pPr algn="ctr"/>
+            <a:endParaRPr lang="en-US" dirty="0"/>
           </a:p>
         </p:txBody>
       </p:sp>
       <p:sp>
         <p:nvSpPr>
-          <p:cNvPr id="2" name="Title 1"/>
+          <p:cNvPr id="3" name="Content Placeholder 2">
+            <a:extLst>
+              <a:ext uri="{FF2B5EF4-FFF2-40B4-BE49-F238E27FC236}">
+                <a16:creationId xmlns:a16="http://schemas.microsoft.com/office/drawing/2014/main" id="{186D5587-3DC8-4364-8D77-848596FA8DCE}"/>
+              </a:ext>
+            </a:extLst>
+          </p:cNvPr>
           <p:cNvSpPr>
             <a:spLocks noGrp="1"/>
           </p:cNvSpPr>
           <p:nvPr>
-            <p:ph type="ctrTitle"/>
+            <p:ph idx="1"/>
           </p:nvPr>
         </p:nvSpPr>
         <p:spPr>
           <a:xfrm>
-            <a:off x="4038600" y="1939159"/>
-            <a:ext cx="7644627" cy="2751086"/>
+            <a:off x="4447308" y="591344"/>
+            <a:ext cx="6906491" cy="5585619"/>
           </a:xfrm>
         </p:spPr>
         <p:txBody>
-          <a:bodyPr>
+          <a:bodyPr anchor="ctr">
             <a:normAutofit/>
           </a:bodyPr>
           <a:lstStyle/>
           <a:p>
-            <a:pPr algn="r"/>
+            <a:r>
+              <a:rPr lang="en-US" dirty="0"/>
+              <a:t>Mario Boshev– Scrum trainer</a:t>
+            </a:r>
+            <a:endParaRPr lang="bg-BG" dirty="0"/>
+          </a:p>
+          <a:p>
+            <a:r>
+              <a:rPr lang="en-US" dirty="0" err="1"/>
+              <a:t>Venilin</a:t>
+            </a:r>
+            <a:r>
+              <a:rPr lang="en-US" dirty="0"/>
+              <a:t> </a:t>
+            </a:r>
+            <a:r>
+              <a:rPr lang="en-US" dirty="0" err="1"/>
+              <a:t>Donchev</a:t>
+            </a:r>
+            <a:r>
+              <a:rPr lang="en-US" dirty="0"/>
+              <a:t> – QA Engineer</a:t>
+            </a:r>
+            <a:endParaRPr lang="bg-BG" dirty="0"/>
+          </a:p>
+          <a:p>
+            <a:r>
+              <a:rPr lang="en-US" dirty="0" err="1"/>
+              <a:t>Petar</a:t>
+            </a:r>
+            <a:r>
+              <a:rPr lang="en-US" dirty="0"/>
+              <a:t> </a:t>
+            </a:r>
+            <a:r>
+              <a:rPr lang="en-US" dirty="0" err="1"/>
+              <a:t>Nikolov</a:t>
+            </a:r>
             <a:r>
               <a:rPr lang="bg-BG" dirty="0"/>
-              <a:t>Как се играе играта</a:t>
-            </a:r>
-            <a:endParaRPr lang="en-US" dirty="0"/>
-          </a:p>
-        </p:txBody>
-      </p:sp>
-      <p:sp>
-        <p:nvSpPr>
-          <p:cNvPr id="3" name="Subtitle 2"/>
-          <p:cNvSpPr>
-            <a:spLocks noGrp="1"/>
-          </p:cNvSpPr>
-          <p:nvPr>
-            <p:ph type="subTitle" idx="1"/>
-          </p:nvPr>
-        </p:nvSpPr>
-        <p:spPr>
-          <a:xfrm>
-            <a:off x="4038600" y="4782320"/>
-            <a:ext cx="7644627" cy="1329443"/>
-          </a:xfrm>
-        </p:spPr>
-        <p:txBody>
-          <a:bodyPr>
-            <a:normAutofit/>
-          </a:bodyPr>
-          <a:lstStyle/>
-          <a:p>
-            <a:pPr algn="r"/>
-            <a:r>
-              <a:rPr lang="bg-BG" sz="2200" dirty="0"/>
-              <a:t>Нашата игра </a:t>
+              <a:t> –</a:t>
             </a:r>
             <a:r>
-              <a:rPr lang="en-US" sz="2200" dirty="0"/>
-              <a:t>Maze Game </a:t>
+              <a:rPr lang="en-US" dirty="0"/>
+              <a:t> Back-End</a:t>
+            </a:r>
+            <a:endParaRPr lang="bg-BG" dirty="0"/>
+          </a:p>
+          <a:p>
+            <a:r>
+              <a:rPr lang="en-US" dirty="0" err="1"/>
+              <a:t>Kiril</a:t>
             </a:r>
             <a:r>
-              <a:rPr lang="bg-BG" sz="2200" dirty="0"/>
-              <a:t>е написана на С++ за 1 играч. Самата програма се състои от игрално поле(лабиринт) 20х10 , в която крайната цел е да се достигне изхода. Героят се управлява чрез </a:t>
+              <a:rPr lang="en-US" dirty="0"/>
+              <a:t> Dimitrov – Front-End</a:t>
             </a:r>
-            <a:r>
-              <a:rPr lang="en-US" sz="2200" dirty="0"/>
-              <a:t>W,A,S,D </a:t>
-            </a:r>
-            <a:r>
-              <a:rPr lang="bg-BG" sz="2200" dirty="0"/>
-              <a:t>като вход от клавиатурата.</a:t>
-            </a:r>
-            <a:endParaRPr lang="en-US" sz="2200" dirty="0"/>
           </a:p>
         </p:txBody>
       </p:sp>
     </p:spTree>
     <p:extLst>
       <p:ext uri="{BB962C8B-B14F-4D97-AF65-F5344CB8AC3E}">
-        <p14:creationId xmlns:p14="http://schemas.microsoft.com/office/powerpoint/2010/main" val="577987752"/>
+        <p14:creationId xmlns:p14="http://schemas.microsoft.com/office/powerpoint/2010/main" val="1304709078"/>
       </p:ext>
     </p:extLst>
   </p:cSld>
@@ -4844,6 +4660,592 @@
           <a:chExt cx="0" cy="0"/>
         </a:xfrm>
       </p:grpSpPr>
+      <p:sp useBgFill="1">
+        <p:nvSpPr>
+          <p:cNvPr id="8" name="Rectangle 7">
+            <a:extLst>
+              <a:ext uri="{FF2B5EF4-FFF2-40B4-BE49-F238E27FC236}">
+                <a16:creationId xmlns:a16="http://schemas.microsoft.com/office/drawing/2014/main" id="{4E1BEB12-92AF-4445-98AD-4C7756E7C93B}"/>
+              </a:ext>
+              <a:ext uri="{C183D7F6-B498-43B3-948B-1728B52AA6E4}">
+                <adec:decorative xmlns:adec="http://schemas.microsoft.com/office/drawing/2017/decorative" val="1"/>
+              </a:ext>
+            </a:extLst>
+          </p:cNvPr>
+          <p:cNvSpPr>
+            <a:spLocks noGrp="1" noRot="1" noChangeAspect="1" noMove="1" noResize="1" noEditPoints="1" noAdjustHandles="1" noChangeArrowheads="1" noChangeShapeType="1" noTextEdit="1"/>
+          </p:cNvSpPr>
+          <p:nvPr>
+            <p:extLst>
+              <p:ext uri="{386F3935-93C4-4BCD-93E2-E3B085C9AB24}">
+                <p16:designElem xmlns:p16="http://schemas.microsoft.com/office/powerpoint/2015/main" val="1"/>
+              </p:ext>
+            </p:extLst>
+          </p:nvPr>
+        </p:nvSpPr>
+        <p:spPr>
+          <a:xfrm>
+            <a:off x="3048" y="0"/>
+            <a:ext cx="12188952" cy="6858000"/>
+          </a:xfrm>
+          <a:prstGeom prst="rect">
+            <a:avLst/>
+          </a:prstGeom>
+          <a:ln>
+            <a:noFill/>
+          </a:ln>
+        </p:spPr>
+        <p:style>
+          <a:lnRef idx="2">
+            <a:schemeClr val="accent1">
+              <a:shade val="50000"/>
+            </a:schemeClr>
+          </a:lnRef>
+          <a:fillRef idx="1">
+            <a:schemeClr val="accent1"/>
+          </a:fillRef>
+          <a:effectRef idx="0">
+            <a:schemeClr val="accent1"/>
+          </a:effectRef>
+          <a:fontRef idx="minor">
+            <a:schemeClr val="lt1"/>
+          </a:fontRef>
+        </p:style>
+        <p:txBody>
+          <a:bodyPr rtlCol="0" anchor="ctr"/>
+          <a:lstStyle/>
+          <a:p>
+            <a:pPr algn="ctr"/>
+            <a:endParaRPr lang="en-US"/>
+          </a:p>
+        </p:txBody>
+      </p:sp>
+      <p:sp>
+        <p:nvSpPr>
+          <p:cNvPr id="10" name="Rectangle 9">
+            <a:extLst>
+              <a:ext uri="{FF2B5EF4-FFF2-40B4-BE49-F238E27FC236}">
+                <a16:creationId xmlns:a16="http://schemas.microsoft.com/office/drawing/2014/main" id="{D0522C2C-7B5C-48A7-A969-03941E5D2E76}"/>
+              </a:ext>
+              <a:ext uri="{C183D7F6-B498-43B3-948B-1728B52AA6E4}">
+                <adec:decorative xmlns:adec="http://schemas.microsoft.com/office/drawing/2017/decorative" val="1"/>
+              </a:ext>
+            </a:extLst>
+          </p:cNvPr>
+          <p:cNvSpPr>
+            <a:spLocks noGrp="1" noRot="1" noChangeAspect="1" noMove="1" noResize="1" noEditPoints="1" noAdjustHandles="1" noChangeArrowheads="1" noChangeShapeType="1" noTextEdit="1"/>
+          </p:cNvSpPr>
+          <p:nvPr>
+            <p:extLst>
+              <p:ext uri="{386F3935-93C4-4BCD-93E2-E3B085C9AB24}">
+                <p16:designElem xmlns:p16="http://schemas.microsoft.com/office/powerpoint/2015/main" val="1"/>
+              </p:ext>
+            </p:extLst>
+          </p:nvPr>
+        </p:nvSpPr>
+        <p:spPr>
+          <a:xfrm>
+            <a:off x="0" y="0"/>
+            <a:ext cx="12192000" cy="6858000"/>
+          </a:xfrm>
+          <a:prstGeom prst="rect">
+            <a:avLst/>
+          </a:prstGeom>
+          <a:solidFill>
+            <a:schemeClr val="accent2"/>
+          </a:solidFill>
+          <a:ln>
+            <a:noFill/>
+          </a:ln>
+        </p:spPr>
+        <p:style>
+          <a:lnRef idx="2">
+            <a:schemeClr val="accent1">
+              <a:shade val="50000"/>
+            </a:schemeClr>
+          </a:lnRef>
+          <a:fillRef idx="1">
+            <a:schemeClr val="accent1"/>
+          </a:fillRef>
+          <a:effectRef idx="0">
+            <a:schemeClr val="accent1"/>
+          </a:effectRef>
+          <a:fontRef idx="minor">
+            <a:schemeClr val="lt1"/>
+          </a:fontRef>
+        </p:style>
+        <p:txBody>
+          <a:bodyPr rtlCol="0" anchor="ctr"/>
+          <a:lstStyle/>
+          <a:p>
+            <a:pPr algn="ctr"/>
+            <a:endParaRPr lang="en-US">
+              <a:solidFill>
+                <a:schemeClr val="tx1"/>
+              </a:solidFill>
+            </a:endParaRPr>
+          </a:p>
+        </p:txBody>
+      </p:sp>
+      <p:sp>
+        <p:nvSpPr>
+          <p:cNvPr id="12" name="Freeform 13">
+            <a:extLst>
+              <a:ext uri="{FF2B5EF4-FFF2-40B4-BE49-F238E27FC236}">
+                <a16:creationId xmlns:a16="http://schemas.microsoft.com/office/drawing/2014/main" id="{9C682A1A-5B2D-4111-BBD6-620165633E5B}"/>
+              </a:ext>
+              <a:ext uri="{C183D7F6-B498-43B3-948B-1728B52AA6E4}">
+                <adec:decorative xmlns:adec="http://schemas.microsoft.com/office/drawing/2017/decorative" val="1"/>
+              </a:ext>
+            </a:extLst>
+          </p:cNvPr>
+          <p:cNvSpPr>
+            <a:spLocks noGrp="1" noRot="1" noChangeAspect="1" noMove="1" noResize="1" noEditPoints="1" noAdjustHandles="1" noChangeArrowheads="1" noChangeShapeType="1" noTextEdit="1"/>
+          </p:cNvSpPr>
+          <p:nvPr>
+            <p:extLst>
+              <p:ext uri="{386F3935-93C4-4BCD-93E2-E3B085C9AB24}">
+                <p16:designElem xmlns:p16="http://schemas.microsoft.com/office/powerpoint/2015/main" val="1"/>
+              </p:ext>
+            </p:extLst>
+          </p:nvPr>
+        </p:nvSpPr>
+        <p:spPr>
+          <a:xfrm>
+            <a:off x="2769476" y="220196"/>
+            <a:ext cx="9422524" cy="6637806"/>
+          </a:xfrm>
+          <a:custGeom>
+            <a:avLst/>
+            <a:gdLst>
+              <a:gd name="connsiteX0" fmla="*/ 4929467 w 8191500"/>
+              <a:gd name="connsiteY0" fmla="*/ 0 h 5770597"/>
+              <a:gd name="connsiteX1" fmla="*/ 8065066 w 8191500"/>
+              <a:gd name="connsiteY1" fmla="*/ 1118513 h 5770597"/>
+              <a:gd name="connsiteX2" fmla="*/ 8191500 w 8191500"/>
+              <a:gd name="connsiteY2" fmla="*/ 1227339 h 5770597"/>
+              <a:gd name="connsiteX3" fmla="*/ 8191500 w 8191500"/>
+              <a:gd name="connsiteY3" fmla="*/ 5770597 h 5770597"/>
+              <a:gd name="connsiteX4" fmla="*/ 79523 w 8191500"/>
+              <a:gd name="connsiteY4" fmla="*/ 5770597 h 5770597"/>
+              <a:gd name="connsiteX5" fmla="*/ 56799 w 8191500"/>
+              <a:gd name="connsiteY5" fmla="*/ 5644158 h 5770597"/>
+              <a:gd name="connsiteX6" fmla="*/ 0 w 8191500"/>
+              <a:gd name="connsiteY6" fmla="*/ 4898209 h 5770597"/>
+              <a:gd name="connsiteX7" fmla="*/ 4929467 w 8191500"/>
+              <a:gd name="connsiteY7" fmla="*/ 0 h 5770597"/>
+            </a:gdLst>
+            <a:ahLst/>
+            <a:cxnLst>
+              <a:cxn ang="0">
+                <a:pos x="connsiteX0" y="connsiteY0"/>
+              </a:cxn>
+              <a:cxn ang="0">
+                <a:pos x="connsiteX1" y="connsiteY1"/>
+              </a:cxn>
+              <a:cxn ang="0">
+                <a:pos x="connsiteX2" y="connsiteY2"/>
+              </a:cxn>
+              <a:cxn ang="0">
+                <a:pos x="connsiteX3" y="connsiteY3"/>
+              </a:cxn>
+              <a:cxn ang="0">
+                <a:pos x="connsiteX4" y="connsiteY4"/>
+              </a:cxn>
+              <a:cxn ang="0">
+                <a:pos x="connsiteX5" y="connsiteY5"/>
+              </a:cxn>
+              <a:cxn ang="0">
+                <a:pos x="connsiteX6" y="connsiteY6"/>
+              </a:cxn>
+              <a:cxn ang="0">
+                <a:pos x="connsiteX7" y="connsiteY7"/>
+              </a:cxn>
+            </a:cxnLst>
+            <a:rect l="l" t="t" r="r" b="b"/>
+            <a:pathLst>
+              <a:path w="8191500" h="5770597">
+                <a:moveTo>
+                  <a:pt x="4929467" y="0"/>
+                </a:moveTo>
+                <a:cubicBezTo>
+                  <a:pt x="6120547" y="0"/>
+                  <a:pt x="7212963" y="419755"/>
+                  <a:pt x="8065066" y="1118513"/>
+                </a:cubicBezTo>
+                <a:lnTo>
+                  <a:pt x="8191500" y="1227339"/>
+                </a:lnTo>
+                <a:lnTo>
+                  <a:pt x="8191500" y="5770597"/>
+                </a:lnTo>
+                <a:lnTo>
+                  <a:pt x="79523" y="5770597"/>
+                </a:lnTo>
+                <a:lnTo>
+                  <a:pt x="56799" y="5644158"/>
+                </a:lnTo>
+                <a:cubicBezTo>
+                  <a:pt x="19398" y="5400934"/>
+                  <a:pt x="0" y="5151822"/>
+                  <a:pt x="0" y="4898209"/>
+                </a:cubicBezTo>
+                <a:cubicBezTo>
+                  <a:pt x="0" y="2193003"/>
+                  <a:pt x="2206998" y="0"/>
+                  <a:pt x="4929467" y="0"/>
+                </a:cubicBezTo>
+                <a:close/>
+              </a:path>
+            </a:pathLst>
+          </a:custGeom>
+          <a:solidFill>
+            <a:schemeClr val="bg1"/>
+          </a:solidFill>
+          <a:ln>
+            <a:noFill/>
+          </a:ln>
+        </p:spPr>
+        <p:style>
+          <a:lnRef idx="2">
+            <a:schemeClr val="accent1">
+              <a:shade val="50000"/>
+            </a:schemeClr>
+          </a:lnRef>
+          <a:fillRef idx="1">
+            <a:schemeClr val="accent1"/>
+          </a:fillRef>
+          <a:effectRef idx="0">
+            <a:schemeClr val="accent1"/>
+          </a:effectRef>
+          <a:fontRef idx="minor">
+            <a:schemeClr val="lt1"/>
+          </a:fontRef>
+        </p:style>
+        <p:txBody>
+          <a:bodyPr wrap="square" rtlCol="0" anchor="ctr">
+            <a:noAutofit/>
+          </a:bodyPr>
+          <a:lstStyle/>
+          <a:p>
+            <a:pPr marL="0" marR="0" lvl="0" indent="0" algn="ctr" defTabSz="914400" rtl="0" eaLnBrk="1" fontAlgn="auto" latinLnBrk="0" hangingPunct="1">
+              <a:lnSpc>
+                <a:spcPct val="100000"/>
+              </a:lnSpc>
+              <a:spcBef>
+                <a:spcPts val="0"/>
+              </a:spcBef>
+              <a:spcAft>
+                <a:spcPts val="0"/>
+              </a:spcAft>
+              <a:buClrTx/>
+              <a:buSzTx/>
+              <a:buFontTx/>
+              <a:buNone/>
+              <a:tabLst/>
+              <a:defRPr/>
+            </a:pPr>
+            <a:endParaRPr kumimoji="0" lang="en-US" sz="1800" b="0" i="0" u="none" strike="noStrike" kern="1200" cap="none" spc="0" normalizeH="0" baseline="0" noProof="0">
+              <a:ln>
+                <a:noFill/>
+              </a:ln>
+              <a:solidFill>
+                <a:srgbClr val="FFFFFF"/>
+              </a:solidFill>
+              <a:effectLst/>
+              <a:uLnTx/>
+              <a:uFillTx/>
+              <a:latin typeface="Calibri" panose="020F0502020204030204"/>
+              <a:ea typeface="+mn-ea"/>
+              <a:cs typeface="+mn-cs"/>
+            </a:endParaRPr>
+          </a:p>
+        </p:txBody>
+      </p:sp>
+      <p:sp>
+        <p:nvSpPr>
+          <p:cNvPr id="14" name="Oval 13">
+            <a:extLst>
+              <a:ext uri="{FF2B5EF4-FFF2-40B4-BE49-F238E27FC236}">
+                <a16:creationId xmlns:a16="http://schemas.microsoft.com/office/drawing/2014/main" id="{D6EE29F2-D77F-4BD0-A20B-334D316A1C9D}"/>
+              </a:ext>
+              <a:ext uri="{C183D7F6-B498-43B3-948B-1728B52AA6E4}">
+                <adec:decorative xmlns:adec="http://schemas.microsoft.com/office/drawing/2017/decorative" val="1"/>
+              </a:ext>
+            </a:extLst>
+          </p:cNvPr>
+          <p:cNvSpPr>
+            <a:spLocks noGrp="1" noRot="1" noChangeAspect="1" noMove="1" noResize="1" noEditPoints="1" noAdjustHandles="1" noChangeArrowheads="1" noChangeShapeType="1" noTextEdit="1"/>
+          </p:cNvSpPr>
+          <p:nvPr>
+            <p:extLst>
+              <p:ext uri="{386F3935-93C4-4BCD-93E2-E3B085C9AB24}">
+                <p16:designElem xmlns:p16="http://schemas.microsoft.com/office/powerpoint/2015/main" val="1"/>
+              </p:ext>
+            </p:extLst>
+          </p:nvPr>
+        </p:nvSpPr>
+        <p:spPr>
+          <a:xfrm>
+            <a:off x="2209800" y="2099696"/>
+            <a:ext cx="1942241" cy="1889551"/>
+          </a:xfrm>
+          <a:prstGeom prst="ellipse">
+            <a:avLst/>
+          </a:prstGeom>
+          <a:solidFill>
+            <a:schemeClr val="accent4"/>
+          </a:solidFill>
+          <a:ln>
+            <a:noFill/>
+          </a:ln>
+        </p:spPr>
+        <p:style>
+          <a:lnRef idx="2">
+            <a:schemeClr val="accent1">
+              <a:shade val="50000"/>
+            </a:schemeClr>
+          </a:lnRef>
+          <a:fillRef idx="1">
+            <a:schemeClr val="accent1"/>
+          </a:fillRef>
+          <a:effectRef idx="0">
+            <a:schemeClr val="accent1"/>
+          </a:effectRef>
+          <a:fontRef idx="minor">
+            <a:schemeClr val="lt1"/>
+          </a:fontRef>
+        </p:style>
+        <p:txBody>
+          <a:bodyPr rtlCol="0" anchor="ctr"/>
+          <a:lstStyle/>
+          <a:p>
+            <a:pPr marL="0" marR="0" lvl="0" indent="0" algn="ctr" defTabSz="914400" rtl="0" eaLnBrk="1" fontAlgn="auto" latinLnBrk="0" hangingPunct="1">
+              <a:lnSpc>
+                <a:spcPct val="100000"/>
+              </a:lnSpc>
+              <a:spcBef>
+                <a:spcPts val="0"/>
+              </a:spcBef>
+              <a:spcAft>
+                <a:spcPts val="0"/>
+              </a:spcAft>
+              <a:buClrTx/>
+              <a:buSzTx/>
+              <a:buFontTx/>
+              <a:buNone/>
+              <a:tabLst/>
+              <a:defRPr/>
+            </a:pPr>
+            <a:endParaRPr kumimoji="0" lang="en-US" sz="1800" b="0" i="0" u="none" strike="noStrike" kern="1200" cap="none" spc="0" normalizeH="0" baseline="0" noProof="0">
+              <a:ln>
+                <a:noFill/>
+              </a:ln>
+              <a:solidFill>
+                <a:srgbClr val="FFFFFF"/>
+              </a:solidFill>
+              <a:effectLst/>
+              <a:uLnTx/>
+              <a:uFillTx/>
+              <a:latin typeface="Calibri" panose="020F0502020204030204"/>
+              <a:ea typeface="+mn-ea"/>
+              <a:cs typeface="+mn-cs"/>
+            </a:endParaRPr>
+          </a:p>
+        </p:txBody>
+      </p:sp>
+      <p:sp>
+        <p:nvSpPr>
+          <p:cNvPr id="16" name="Arc 15">
+            <a:extLst>
+              <a:ext uri="{FF2B5EF4-FFF2-40B4-BE49-F238E27FC236}">
+                <a16:creationId xmlns:a16="http://schemas.microsoft.com/office/drawing/2014/main" id="{22D09ED2-868F-42C6-866E-F92E0CEF314F}"/>
+              </a:ext>
+              <a:ext uri="{C183D7F6-B498-43B3-948B-1728B52AA6E4}">
+                <adec:decorative xmlns:adec="http://schemas.microsoft.com/office/drawing/2017/decorative" val="1"/>
+              </a:ext>
+            </a:extLst>
+          </p:cNvPr>
+          <p:cNvSpPr>
+            <a:spLocks noGrp="1" noRot="1" noChangeAspect="1" noMove="1" noResize="1" noEditPoints="1" noAdjustHandles="1" noChangeArrowheads="1" noChangeShapeType="1" noTextEdit="1"/>
+          </p:cNvSpPr>
+          <p:nvPr>
+            <p:extLst>
+              <p:ext uri="{386F3935-93C4-4BCD-93E2-E3B085C9AB24}">
+                <p16:designElem xmlns:p16="http://schemas.microsoft.com/office/powerpoint/2015/main" val="1"/>
+              </p:ext>
+            </p:extLst>
+          </p:nvPr>
+        </p:nvSpPr>
+        <p:spPr>
+          <a:xfrm rot="18520172">
+            <a:off x="1613162" y="1492572"/>
+            <a:ext cx="2987899" cy="2987899"/>
+          </a:xfrm>
+          <a:prstGeom prst="arc">
+            <a:avLst>
+              <a:gd name="adj1" fmla="val 14455503"/>
+              <a:gd name="adj2" fmla="val 227775"/>
+            </a:avLst>
+          </a:prstGeom>
+          <a:ln w="127000" cap="rnd">
+            <a:solidFill>
+              <a:schemeClr val="accent4"/>
+            </a:solidFill>
+            <a:prstDash val="dash"/>
+            <a:miter lim="800000"/>
+          </a:ln>
+        </p:spPr>
+        <p:style>
+          <a:lnRef idx="1">
+            <a:schemeClr val="accent1"/>
+          </a:lnRef>
+          <a:fillRef idx="0">
+            <a:schemeClr val="accent1"/>
+          </a:fillRef>
+          <a:effectRef idx="0">
+            <a:schemeClr val="accent1"/>
+          </a:effectRef>
+          <a:fontRef idx="minor">
+            <a:schemeClr val="tx1"/>
+          </a:fontRef>
+        </p:style>
+        <p:txBody>
+          <a:bodyPr rtlCol="0" anchor="ctr"/>
+          <a:lstStyle/>
+          <a:p>
+            <a:pPr marL="0" marR="0" lvl="0" indent="0" algn="ctr" defTabSz="914400" rtl="0" eaLnBrk="1" fontAlgn="auto" latinLnBrk="0" hangingPunct="1">
+              <a:lnSpc>
+                <a:spcPct val="100000"/>
+              </a:lnSpc>
+              <a:spcBef>
+                <a:spcPts val="0"/>
+              </a:spcBef>
+              <a:spcAft>
+                <a:spcPts val="0"/>
+              </a:spcAft>
+              <a:buClrTx/>
+              <a:buSzTx/>
+              <a:buFontTx/>
+              <a:buNone/>
+              <a:tabLst/>
+              <a:defRPr/>
+            </a:pPr>
+            <a:endParaRPr kumimoji="0" lang="en-US" sz="1800" b="0" i="0" u="none" strike="noStrike" kern="1200" cap="none" spc="0" normalizeH="0" baseline="0" noProof="0">
+              <a:ln>
+                <a:noFill/>
+              </a:ln>
+              <a:solidFill>
+                <a:srgbClr val="000000"/>
+              </a:solidFill>
+              <a:effectLst/>
+              <a:uLnTx/>
+              <a:uFillTx/>
+              <a:latin typeface="Calibri" panose="020F0502020204030204"/>
+              <a:ea typeface="+mn-ea"/>
+              <a:cs typeface="+mn-cs"/>
+            </a:endParaRPr>
+          </a:p>
+        </p:txBody>
+      </p:sp>
+      <p:sp>
+        <p:nvSpPr>
+          <p:cNvPr id="2" name="Title 1"/>
+          <p:cNvSpPr>
+            <a:spLocks noGrp="1"/>
+          </p:cNvSpPr>
+          <p:nvPr>
+            <p:ph type="ctrTitle"/>
+          </p:nvPr>
+        </p:nvSpPr>
+        <p:spPr>
+          <a:xfrm>
+            <a:off x="4038600" y="1939159"/>
+            <a:ext cx="7644627" cy="2751086"/>
+          </a:xfrm>
+        </p:spPr>
+        <p:txBody>
+          <a:bodyPr>
+            <a:normAutofit/>
+          </a:bodyPr>
+          <a:lstStyle/>
+          <a:p>
+            <a:pPr algn="r"/>
+            <a:r>
+              <a:rPr lang="en-US" dirty="0"/>
+              <a:t>How to play the game?</a:t>
+            </a:r>
+          </a:p>
+        </p:txBody>
+      </p:sp>
+      <p:sp>
+        <p:nvSpPr>
+          <p:cNvPr id="3" name="Subtitle 2"/>
+          <p:cNvSpPr>
+            <a:spLocks noGrp="1"/>
+          </p:cNvSpPr>
+          <p:nvPr>
+            <p:ph type="subTitle" idx="1"/>
+          </p:nvPr>
+        </p:nvSpPr>
+        <p:spPr>
+          <a:xfrm>
+            <a:off x="4038600" y="4782320"/>
+            <a:ext cx="7644627" cy="1329443"/>
+          </a:xfrm>
+        </p:spPr>
+        <p:txBody>
+          <a:bodyPr>
+            <a:normAutofit/>
+          </a:bodyPr>
+          <a:lstStyle/>
+          <a:p>
+            <a:pPr algn="l"/>
+            <a:r>
+              <a:rPr lang="en-US" sz="2200" dirty="0"/>
+              <a:t>Our Maze game is written on C++ for 1 player. The game consists of a playing field(labyrinth) 20X10, where the main point of the game is to reach the exit. The character is controlled by W,A,S,D as input from the keyboard.</a:t>
+            </a:r>
+          </a:p>
+        </p:txBody>
+      </p:sp>
+    </p:spTree>
+    <p:extLst>
+      <p:ext uri="{BB962C8B-B14F-4D97-AF65-F5344CB8AC3E}">
+        <p14:creationId xmlns:p14="http://schemas.microsoft.com/office/powerpoint/2010/main" val="577987752"/>
+      </p:ext>
+    </p:extLst>
+  </p:cSld>
+  <p:clrMapOvr>
+    <a:masterClrMapping/>
+  </p:clrMapOvr>
+</p:sld>
+</file>
+
+<file path=ppt/slides/slide4.xml><?xml version="1.0" encoding="utf-8"?>
+<p:sld xmlns:a="http://schemas.openxmlformats.org/drawingml/2006/main" xmlns:r="http://schemas.openxmlformats.org/officeDocument/2006/relationships" xmlns:p="http://schemas.openxmlformats.org/presentationml/2006/main">
+  <p:cSld>
+    <p:bg>
+      <p:bgPr>
+        <a:solidFill>
+          <a:schemeClr val="bg1"/>
+        </a:solidFill>
+        <a:effectLst/>
+      </p:bgPr>
+    </p:bg>
+    <p:spTree>
+      <p:nvGrpSpPr>
+        <p:cNvPr id="1" name=""/>
+        <p:cNvGrpSpPr/>
+        <p:nvPr/>
+      </p:nvGrpSpPr>
+      <p:grpSpPr>
+        <a:xfrm>
+          <a:off x="0" y="0"/>
+          <a:ext cx="0" cy="0"/>
+          <a:chOff x="0" y="0"/>
+          <a:chExt cx="0" cy="0"/>
+        </a:xfrm>
+      </p:grpSpPr>
       <p:sp>
         <p:nvSpPr>
           <p:cNvPr id="10" name="Rectangle 9">
@@ -4931,18 +5333,13 @@
           <a:p>
             <a:pPr algn="l"/>
             <a:r>
-              <a:rPr lang="bg-BG" sz="5400">
+              <a:rPr lang="en-US" sz="5400" dirty="0">
                 <a:solidFill>
                   <a:schemeClr val="bg1"/>
                 </a:solidFill>
               </a:rPr>
-              <a:t>Инструкции</a:t>
+              <a:t>Instructions</a:t>
             </a:r>
-            <a:endParaRPr lang="en-US" sz="5400">
-              <a:solidFill>
-                <a:schemeClr val="bg1"/>
-              </a:solidFill>
-            </a:endParaRPr>
           </a:p>
         </p:txBody>
       </p:sp>
@@ -4970,45 +5367,37 @@
           <a:p>
             <a:pPr algn="l"/>
             <a:r>
-              <a:rPr lang="bg-BG" sz="1400">
+              <a:rPr lang="en-US" sz="1400" dirty="0">
                 <a:solidFill>
                   <a:schemeClr val="bg1"/>
                 </a:solidFill>
               </a:rPr>
-              <a:t>Легенда:</a:t>
+              <a:t>Legend</a:t>
             </a:r>
-          </a:p>
-          <a:p>
-            <a:pPr algn="l"/>
             <a:r>
-              <a:rPr lang="en-US" sz="1400">
+              <a:rPr lang="bg-BG" sz="1400" dirty="0">
                 <a:solidFill>
                   <a:schemeClr val="bg1"/>
                 </a:solidFill>
               </a:rPr>
-              <a:t># - </a:t>
+              <a:t>:</a:t>
             </a:r>
+          </a:p>
+          <a:p>
+            <a:pPr algn="l"/>
             <a:r>
-              <a:rPr lang="bg-BG" sz="1400">
+              <a:rPr lang="en-US" sz="1400" dirty="0">
                 <a:solidFill>
                   <a:schemeClr val="bg1"/>
                 </a:solidFill>
               </a:rPr>
-              <a:t>стена</a:t>
-            </a:r>
-            <a:r>
-              <a:rPr lang="en-US" sz="1400">
-                <a:solidFill>
-                  <a:schemeClr val="bg1"/>
-                </a:solidFill>
-              </a:rPr>
-              <a:t> </a:t>
+              <a:t>██ - wall</a:t>
             </a:r>
           </a:p>
           <a:p>
             <a:pPr algn="l"/>
             <a:r>
-              <a:rPr lang="en-US" sz="1400">
+              <a:rPr lang="en-US" sz="1400" dirty="0">
                 <a:solidFill>
                   <a:schemeClr val="bg1"/>
                 </a:solidFill>
@@ -5018,31 +5407,18 @@
               <a:t>☺</a:t>
             </a:r>
             <a:r>
-              <a:rPr lang="en-US" sz="1400">
+              <a:rPr lang="en-US" sz="1400" dirty="0">
                 <a:solidFill>
                   <a:schemeClr val="bg1"/>
                 </a:solidFill>
               </a:rPr>
-              <a:t> - </a:t>
+              <a:t> - character</a:t>
             </a:r>
-            <a:r>
-              <a:rPr lang="bg-BG" sz="1400">
-                <a:solidFill>
-                  <a:schemeClr val="bg1"/>
-                </a:solidFill>
-              </a:rPr>
-              <a:t>герой</a:t>
-            </a:r>
-            <a:endParaRPr lang="en-US" sz="1400">
-              <a:solidFill>
-                <a:schemeClr val="bg1"/>
-              </a:solidFill>
-            </a:endParaRPr>
           </a:p>
           <a:p>
             <a:pPr algn="l"/>
             <a:r>
-              <a:rPr lang="en-US" sz="1400">
+              <a:rPr lang="en-US" sz="1400" dirty="0">
                 <a:solidFill>
                   <a:schemeClr val="bg1"/>
                 </a:solidFill>
@@ -5050,18 +5426,21 @@
               <a:t> E -</a:t>
             </a:r>
             <a:r>
-              <a:rPr lang="bg-BG" sz="1400">
+              <a:rPr lang="bg-BG" sz="1400" dirty="0">
                 <a:solidFill>
                   <a:schemeClr val="bg1"/>
                 </a:solidFill>
               </a:rPr>
-              <a:t> финал</a:t>
+              <a:t> </a:t>
             </a:r>
-            <a:endParaRPr lang="en-US" sz="1400">
-              <a:solidFill>
-                <a:schemeClr val="bg1"/>
-              </a:solidFill>
-            </a:endParaRPr>
+            <a:r>
+              <a:rPr lang="en-US" sz="1400" dirty="0">
+                <a:solidFill>
+                  <a:schemeClr val="bg1"/>
+                </a:solidFill>
+              </a:rPr>
+              <a:t>Exit</a:t>
+            </a:r>
           </a:p>
         </p:txBody>
       </p:sp>
@@ -5760,39 +6139,6 @@
           </p:txBody>
         </p:sp>
       </p:grpSp>
-      <p:pic>
-        <p:nvPicPr>
-          <p:cNvPr id="5" name="Picture 4">
-            <a:extLst>
-              <a:ext uri="{FF2B5EF4-FFF2-40B4-BE49-F238E27FC236}">
-                <a16:creationId xmlns:a16="http://schemas.microsoft.com/office/drawing/2014/main" id="{C2D21C79-B040-4E01-B038-A9D8E03DE202}"/>
-              </a:ext>
-            </a:extLst>
-          </p:cNvPr>
-          <p:cNvPicPr>
-            <a:picLocks noChangeAspect="1"/>
-          </p:cNvPicPr>
-          <p:nvPr/>
-        </p:nvPicPr>
-        <p:blipFill>
-          <a:blip r:embed="rId2"/>
-          <a:stretch>
-            <a:fillRect/>
-          </a:stretch>
-        </p:blipFill>
-        <p:spPr>
-          <a:xfrm>
-            <a:off x="7603055" y="1126418"/>
-            <a:ext cx="2328303" cy="4594684"/>
-          </a:xfrm>
-          <a:prstGeom prst="rect">
-            <a:avLst/>
-          </a:prstGeom>
-          <a:ln w="28575">
-            <a:noFill/>
-          </a:ln>
-        </p:spPr>
-      </p:pic>
       <p:sp>
         <p:nvSpPr>
           <p:cNvPr id="25" name="Graphic 212">
@@ -6301,6 +6647,36 @@
           </a:p>
         </p:txBody>
       </p:sp>
+      <p:pic>
+        <p:nvPicPr>
+          <p:cNvPr id="6" name="Picture 5" descr="Qr code&#10;&#10;Description automatically generated">
+            <a:extLst>
+              <a:ext uri="{FF2B5EF4-FFF2-40B4-BE49-F238E27FC236}">
+                <a16:creationId xmlns:a16="http://schemas.microsoft.com/office/drawing/2014/main" id="{58D21D2E-CDF8-4AAD-ACAF-E9A0985349C4}"/>
+              </a:ext>
+            </a:extLst>
+          </p:cNvPr>
+          <p:cNvPicPr>
+            <a:picLocks noChangeAspect="1"/>
+          </p:cNvPicPr>
+          <p:nvPr/>
+        </p:nvPicPr>
+        <p:blipFill>
+          <a:blip r:embed="rId2"/>
+          <a:stretch>
+            <a:fillRect/>
+          </a:stretch>
+        </p:blipFill>
+        <p:spPr>
+          <a:xfrm>
+            <a:off x="7296602" y="810623"/>
+            <a:ext cx="3067478" cy="4231894"/>
+          </a:xfrm>
+          <a:prstGeom prst="rect">
+            <a:avLst/>
+          </a:prstGeom>
+        </p:spPr>
+      </p:pic>
     </p:spTree>
     <p:extLst>
       <p:ext uri="{BB962C8B-B14F-4D97-AF65-F5344CB8AC3E}">
@@ -6314,7 +6690,7 @@
 </p:sld>
 </file>
 
-<file path=ppt/slides/slide4.xml><?xml version="1.0" encoding="utf-8"?>
+<file path=ppt/slides/slide5.xml><?xml version="1.0" encoding="utf-8"?>
 <p:sld xmlns:a="http://schemas.openxmlformats.org/drawingml/2006/main" xmlns:r="http://schemas.openxmlformats.org/officeDocument/2006/relationships" xmlns:p="http://schemas.openxmlformats.org/presentationml/2006/main">
   <p:cSld>
     <p:bg>
@@ -6527,18 +6903,13 @@
               </a:spcAft>
             </a:pPr>
             <a:r>
-              <a:rPr lang="bg-BG" sz="1300">
+              <a:rPr lang="en-US" sz="1300" dirty="0">
                 <a:solidFill>
                   <a:srgbClr val="FFFFFF"/>
                 </a:solidFill>
               </a:rPr>
-              <a:t>Начално меню</a:t>
+              <a:t>Main menu</a:t>
             </a:r>
-            <a:endParaRPr lang="en-US" sz="1300">
-              <a:solidFill>
-                <a:srgbClr val="FFFFFF"/>
-              </a:solidFill>
-            </a:endParaRPr>
           </a:p>
         </p:txBody>
       </p:sp>
@@ -6613,18 +6984,13 @@
               </a:spcAft>
             </a:pPr>
             <a:r>
-              <a:rPr lang="bg-BG" sz="1300">
+              <a:rPr lang="en-US" sz="1300" dirty="0">
                 <a:solidFill>
                   <a:srgbClr val="FFFFFF"/>
                 </a:solidFill>
               </a:rPr>
-              <a:t>Проверява ходовете</a:t>
+              <a:t>Checks our moves</a:t>
             </a:r>
-            <a:endParaRPr lang="en-US" sz="1300">
-              <a:solidFill>
-                <a:srgbClr val="FFFFFF"/>
-              </a:solidFill>
-            </a:endParaRPr>
           </a:p>
         </p:txBody>
       </p:sp>
@@ -6652,7 +7018,7 @@
           <a:p>
             <a:pPr algn="r"/>
             <a:r>
-              <a:rPr lang="en-US" sz="5400" kern="1200">
+              <a:rPr lang="en-US" sz="5400" kern="1200" dirty="0">
                 <a:solidFill>
                   <a:srgbClr val="FFFFFF"/>
                 </a:solidFill>
@@ -6660,7 +7026,7 @@
                 <a:ea typeface="+mj-ea"/>
                 <a:cs typeface="+mj-cs"/>
               </a:rPr>
-              <a:t>Функции на играта</a:t>
+              <a:t>Functions of the game</a:t>
             </a:r>
           </a:p>
         </p:txBody>
@@ -6678,7 +7044,7 @@
 </p:sld>
 </file>
 
-<file path=ppt/slides/slide5.xml><?xml version="1.0" encoding="utf-8"?>
+<file path=ppt/slides/slide6.xml><?xml version="1.0" encoding="utf-8"?>
 <p:sld xmlns:a="http://schemas.openxmlformats.org/drawingml/2006/main" xmlns:r="http://schemas.openxmlformats.org/officeDocument/2006/relationships" xmlns:p="http://schemas.openxmlformats.org/presentationml/2006/main">
   <p:cSld>
     <p:bg>
@@ -7441,26 +7807,13 @@
               </a:spcAft>
             </a:pPr>
             <a:r>
-              <a:rPr lang="en-US" sz="1300">
+              <a:rPr lang="en-US" sz="1300" dirty="0">
                 <a:solidFill>
                   <a:srgbClr val="FFFFFF"/>
                 </a:solidFill>
               </a:rPr>
-              <a:t>Layout </a:t>
+              <a:t>Layout of the labyrinth</a:t>
             </a:r>
-            <a:r>
-              <a:rPr lang="bg-BG" sz="1300">
-                <a:solidFill>
-                  <a:srgbClr val="FFFFFF"/>
-                </a:solidFill>
-              </a:rPr>
-              <a:t>на лабиринта</a:t>
-            </a:r>
-            <a:endParaRPr lang="en-US" sz="1300">
-              <a:solidFill>
-                <a:srgbClr val="FFFFFF"/>
-              </a:solidFill>
-            </a:endParaRPr>
           </a:p>
         </p:txBody>
       </p:sp>
@@ -7535,18 +7888,13 @@
               </a:spcAft>
             </a:pPr>
             <a:r>
-              <a:rPr lang="bg-BG" sz="1300">
+              <a:rPr lang="en-US" sz="1300" dirty="0">
                 <a:solidFill>
                   <a:srgbClr val="FFFFFF"/>
                 </a:solidFill>
               </a:rPr>
-              <a:t>Проверява дали е намерен изхода</a:t>
+              <a:t>Checks if we have reached the exit</a:t>
             </a:r>
-            <a:endParaRPr lang="en-US" sz="1300">
-              <a:solidFill>
-                <a:srgbClr val="FFFFFF"/>
-              </a:solidFill>
-            </a:endParaRPr>
           </a:p>
           <a:p>
             <a:pPr algn="ctr">
@@ -7554,7 +7902,7 @@
                 <a:spcPts val="600"/>
               </a:spcAft>
             </a:pPr>
-            <a:endParaRPr lang="en-US" sz="1300">
+            <a:endParaRPr lang="en-US" sz="1300" dirty="0">
               <a:solidFill>
                 <a:srgbClr val="FFFFFF"/>
               </a:solidFill>
@@ -7575,7 +7923,7 @@
 </p:sld>
 </file>
 
-<file path=ppt/slides/slide6.xml><?xml version="1.0" encoding="utf-8"?>
+<file path=ppt/slides/slide7.xml><?xml version="1.0" encoding="utf-8"?>
 <p:sld xmlns:a="http://schemas.openxmlformats.org/drawingml/2006/main" xmlns:r="http://schemas.openxmlformats.org/officeDocument/2006/relationships" xmlns:p="http://schemas.openxmlformats.org/presentationml/2006/main">
   <p:cSld>
     <p:bg>
@@ -7951,16 +8299,21 @@
           <a:lstStyle/>
           <a:p>
             <a:r>
-              <a:rPr lang="en-US" sz="4100" kern="1200">
+              <a:rPr lang="en-US" sz="4100" dirty="0">
                 <a:solidFill>
                   <a:srgbClr val="FFFFFF"/>
                 </a:solidFill>
-                <a:latin typeface="+mj-lt"/>
-                <a:ea typeface="+mj-ea"/>
-                <a:cs typeface="+mj-cs"/>
               </a:rPr>
-              <a:t>Програми използвани за направата на проекта </a:t>
+              <a:t>Apps used for the making of our project</a:t>
             </a:r>
+            <a:endParaRPr lang="en-US" sz="4100" kern="1200" dirty="0">
+              <a:solidFill>
+                <a:srgbClr val="FFFFFF"/>
+              </a:solidFill>
+              <a:latin typeface="+mj-lt"/>
+              <a:ea typeface="+mj-ea"/>
+              <a:cs typeface="+mj-cs"/>
+            </a:endParaRPr>
           </a:p>
         </p:txBody>
       </p:sp>
@@ -8276,415 +8629,6 @@
     <p:extLst>
       <p:ext uri="{BB962C8B-B14F-4D97-AF65-F5344CB8AC3E}">
         <p14:creationId xmlns:p14="http://schemas.microsoft.com/office/powerpoint/2010/main" val="827294086"/>
-      </p:ext>
-    </p:extLst>
-  </p:cSld>
-  <p:clrMapOvr>
-    <a:masterClrMapping/>
-  </p:clrMapOvr>
-</p:sld>
-</file>
-
-<file path=ppt/slides/slide7.xml><?xml version="1.0" encoding="utf-8"?>
-<p:sld xmlns:a="http://schemas.openxmlformats.org/drawingml/2006/main" xmlns:r="http://schemas.openxmlformats.org/officeDocument/2006/relationships" xmlns:p="http://schemas.openxmlformats.org/presentationml/2006/main">
-  <p:cSld>
-    <p:bg>
-      <p:bgPr>
-        <a:solidFill>
-          <a:schemeClr val="bg1"/>
-        </a:solidFill>
-        <a:effectLst/>
-      </p:bgPr>
-    </p:bg>
-    <p:spTree>
-      <p:nvGrpSpPr>
-        <p:cNvPr id="1" name=""/>
-        <p:cNvGrpSpPr/>
-        <p:nvPr/>
-      </p:nvGrpSpPr>
-      <p:grpSpPr>
-        <a:xfrm>
-          <a:off x="0" y="0"/>
-          <a:ext cx="0" cy="0"/>
-          <a:chOff x="0" y="0"/>
-          <a:chExt cx="0" cy="0"/>
-        </a:xfrm>
-      </p:grpSpPr>
-      <p:sp useBgFill="1">
-        <p:nvSpPr>
-          <p:cNvPr id="8" name="Rectangle 7">
-            <a:extLst>
-              <a:ext uri="{FF2B5EF4-FFF2-40B4-BE49-F238E27FC236}">
-                <a16:creationId xmlns:a16="http://schemas.microsoft.com/office/drawing/2014/main" id="{907EF6B7-1338-4443-8C46-6A318D952DFD}"/>
-              </a:ext>
-              <a:ext uri="{C183D7F6-B498-43B3-948B-1728B52AA6E4}">
-                <adec:decorative xmlns:adec="http://schemas.microsoft.com/office/drawing/2017/decorative" val="1"/>
-              </a:ext>
-            </a:extLst>
-          </p:cNvPr>
-          <p:cNvSpPr>
-            <a:spLocks noGrp="1" noRot="1" noChangeAspect="1" noMove="1" noResize="1" noEditPoints="1" noAdjustHandles="1" noChangeArrowheads="1" noChangeShapeType="1" noTextEdit="1"/>
-          </p:cNvSpPr>
-          <p:nvPr>
-            <p:extLst>
-              <p:ext uri="{386F3935-93C4-4BCD-93E2-E3B085C9AB24}">
-                <p16:designElem xmlns:p16="http://schemas.microsoft.com/office/powerpoint/2015/main" val="1"/>
-              </p:ext>
-            </p:extLst>
-          </p:nvPr>
-        </p:nvSpPr>
-        <p:spPr>
-          <a:xfrm>
-            <a:off x="3048" y="0"/>
-            <a:ext cx="12188952" cy="6858000"/>
-          </a:xfrm>
-          <a:prstGeom prst="rect">
-            <a:avLst/>
-          </a:prstGeom>
-          <a:ln>
-            <a:noFill/>
-          </a:ln>
-        </p:spPr>
-        <p:style>
-          <a:lnRef idx="2">
-            <a:schemeClr val="accent1">
-              <a:shade val="50000"/>
-            </a:schemeClr>
-          </a:lnRef>
-          <a:fillRef idx="1">
-            <a:schemeClr val="accent1"/>
-          </a:fillRef>
-          <a:effectRef idx="0">
-            <a:schemeClr val="accent1"/>
-          </a:effectRef>
-          <a:fontRef idx="minor">
-            <a:schemeClr val="lt1"/>
-          </a:fontRef>
-        </p:style>
-        <p:txBody>
-          <a:bodyPr rtlCol="0" anchor="ctr"/>
-          <a:lstStyle/>
-          <a:p>
-            <a:pPr algn="ctr"/>
-            <a:endParaRPr lang="en-US"/>
-          </a:p>
-        </p:txBody>
-      </p:sp>
-      <p:sp>
-        <p:nvSpPr>
-          <p:cNvPr id="10" name="Freeform: Shape 9">
-            <a:extLst>
-              <a:ext uri="{FF2B5EF4-FFF2-40B4-BE49-F238E27FC236}">
-                <a16:creationId xmlns:a16="http://schemas.microsoft.com/office/drawing/2014/main" id="{DAAE4CDD-124C-4DCF-9584-B6033B545DD5}"/>
-              </a:ext>
-              <a:ext uri="{C183D7F6-B498-43B3-948B-1728B52AA6E4}">
-                <adec:decorative xmlns:adec="http://schemas.microsoft.com/office/drawing/2017/decorative" val="1"/>
-              </a:ext>
-            </a:extLst>
-          </p:cNvPr>
-          <p:cNvSpPr>
-            <a:spLocks noGrp="1" noRot="1" noChangeAspect="1" noMove="1" noResize="1" noEditPoints="1" noAdjustHandles="1" noChangeArrowheads="1" noChangeShapeType="1" noTextEdit="1"/>
-          </p:cNvSpPr>
-          <p:nvPr>
-            <p:extLst>
-              <p:ext uri="{386F3935-93C4-4BCD-93E2-E3B085C9AB24}">
-                <p16:designElem xmlns:p16="http://schemas.microsoft.com/office/powerpoint/2015/main" val="1"/>
-              </p:ext>
-            </p:extLst>
-          </p:nvPr>
-        </p:nvSpPr>
-        <p:spPr>
-          <a:xfrm>
-            <a:off x="1" y="0"/>
-            <a:ext cx="4167271" cy="6858000"/>
-          </a:xfrm>
-          <a:custGeom>
-            <a:avLst/>
-            <a:gdLst>
-              <a:gd name="connsiteX0" fmla="*/ 0 w 4167271"/>
-              <a:gd name="connsiteY0" fmla="*/ 0 h 6858000"/>
-              <a:gd name="connsiteX1" fmla="*/ 2259550 w 4167271"/>
-              <a:gd name="connsiteY1" fmla="*/ 0 h 6858000"/>
-              <a:gd name="connsiteX2" fmla="*/ 2387803 w 4167271"/>
-              <a:gd name="connsiteY2" fmla="*/ 82222 h 6858000"/>
-              <a:gd name="connsiteX3" fmla="*/ 4167271 w 4167271"/>
-              <a:gd name="connsiteY3" fmla="*/ 3429000 h 6858000"/>
-              <a:gd name="connsiteX4" fmla="*/ 2387803 w 4167271"/>
-              <a:gd name="connsiteY4" fmla="*/ 6775779 h 6858000"/>
-              <a:gd name="connsiteX5" fmla="*/ 2259550 w 4167271"/>
-              <a:gd name="connsiteY5" fmla="*/ 6858000 h 6858000"/>
-              <a:gd name="connsiteX6" fmla="*/ 0 w 4167271"/>
-              <a:gd name="connsiteY6" fmla="*/ 6858000 h 6858000"/>
-            </a:gdLst>
-            <a:ahLst/>
-            <a:cxnLst>
-              <a:cxn ang="0">
-                <a:pos x="connsiteX0" y="connsiteY0"/>
-              </a:cxn>
-              <a:cxn ang="0">
-                <a:pos x="connsiteX1" y="connsiteY1"/>
-              </a:cxn>
-              <a:cxn ang="0">
-                <a:pos x="connsiteX2" y="connsiteY2"/>
-              </a:cxn>
-              <a:cxn ang="0">
-                <a:pos x="connsiteX3" y="connsiteY3"/>
-              </a:cxn>
-              <a:cxn ang="0">
-                <a:pos x="connsiteX4" y="connsiteY4"/>
-              </a:cxn>
-              <a:cxn ang="0">
-                <a:pos x="connsiteX5" y="connsiteY5"/>
-              </a:cxn>
-              <a:cxn ang="0">
-                <a:pos x="connsiteX6" y="connsiteY6"/>
-              </a:cxn>
-            </a:cxnLst>
-            <a:rect l="l" t="t" r="r" b="b"/>
-            <a:pathLst>
-              <a:path w="4167271" h="6858000">
-                <a:moveTo>
-                  <a:pt x="0" y="0"/>
-                </a:moveTo>
-                <a:lnTo>
-                  <a:pt x="2259550" y="0"/>
-                </a:lnTo>
-                <a:lnTo>
-                  <a:pt x="2387803" y="82222"/>
-                </a:lnTo>
-                <a:cubicBezTo>
-                  <a:pt x="3461407" y="807534"/>
-                  <a:pt x="4167271" y="2035835"/>
-                  <a:pt x="4167271" y="3429000"/>
-                </a:cubicBezTo>
-                <a:cubicBezTo>
-                  <a:pt x="4167271" y="4822165"/>
-                  <a:pt x="3461407" y="6050467"/>
-                  <a:pt x="2387803" y="6775779"/>
-                </a:cubicBezTo>
-                <a:lnTo>
-                  <a:pt x="2259550" y="6858000"/>
-                </a:lnTo>
-                <a:lnTo>
-                  <a:pt x="0" y="6858000"/>
-                </a:lnTo>
-                <a:close/>
-              </a:path>
-            </a:pathLst>
-          </a:custGeom>
-          <a:solidFill>
-            <a:schemeClr val="accent2"/>
-          </a:solidFill>
-          <a:ln>
-            <a:noFill/>
-          </a:ln>
-        </p:spPr>
-        <p:style>
-          <a:lnRef idx="2">
-            <a:schemeClr val="accent1">
-              <a:shade val="50000"/>
-            </a:schemeClr>
-          </a:lnRef>
-          <a:fillRef idx="1">
-            <a:schemeClr val="accent1"/>
-          </a:fillRef>
-          <a:effectRef idx="0">
-            <a:schemeClr val="accent1"/>
-          </a:effectRef>
-          <a:fontRef idx="minor">
-            <a:schemeClr val="lt1"/>
-          </a:fontRef>
-        </p:style>
-        <p:txBody>
-          <a:bodyPr rtlCol="0" anchor="ctr"/>
-          <a:lstStyle/>
-          <a:p>
-            <a:pPr algn="ctr"/>
-            <a:endParaRPr lang="en-US"/>
-          </a:p>
-        </p:txBody>
-      </p:sp>
-      <p:sp>
-        <p:nvSpPr>
-          <p:cNvPr id="2" name="Title 1">
-            <a:extLst>
-              <a:ext uri="{FF2B5EF4-FFF2-40B4-BE49-F238E27FC236}">
-                <a16:creationId xmlns:a16="http://schemas.microsoft.com/office/drawing/2014/main" id="{BE4DFA38-4F8F-4882-93C0-2FDCC9062E62}"/>
-              </a:ext>
-            </a:extLst>
-          </p:cNvPr>
-          <p:cNvSpPr>
-            <a:spLocks noGrp="1"/>
-          </p:cNvSpPr>
-          <p:nvPr>
-            <p:ph type="title"/>
-          </p:nvPr>
-        </p:nvSpPr>
-        <p:spPr>
-          <a:xfrm>
-            <a:off x="686834" y="1153572"/>
-            <a:ext cx="3200400" cy="4461163"/>
-          </a:xfrm>
-        </p:spPr>
-        <p:txBody>
-          <a:bodyPr>
-            <a:normAutofit/>
-          </a:bodyPr>
-          <a:lstStyle/>
-          <a:p>
-            <a:r>
-              <a:rPr lang="bg-BG" dirty="0">
-                <a:solidFill>
-                  <a:srgbClr val="FFFFFF"/>
-                </a:solidFill>
-              </a:rPr>
-              <a:t>Участници</a:t>
-            </a:r>
-            <a:endParaRPr lang="en-US" dirty="0">
-              <a:solidFill>
-                <a:srgbClr val="FFFFFF"/>
-              </a:solidFill>
-            </a:endParaRPr>
-          </a:p>
-        </p:txBody>
-      </p:sp>
-      <p:sp>
-        <p:nvSpPr>
-          <p:cNvPr id="12" name="Arc 11">
-            <a:extLst>
-              <a:ext uri="{FF2B5EF4-FFF2-40B4-BE49-F238E27FC236}">
-                <a16:creationId xmlns:a16="http://schemas.microsoft.com/office/drawing/2014/main" id="{081E4A58-353D-44AE-B2FC-2A74E2E400F7}"/>
-              </a:ext>
-              <a:ext uri="{C183D7F6-B498-43B3-948B-1728B52AA6E4}">
-                <adec:decorative xmlns:adec="http://schemas.microsoft.com/office/drawing/2017/decorative" val="1"/>
-              </a:ext>
-            </a:extLst>
-          </p:cNvPr>
-          <p:cNvSpPr>
-            <a:spLocks noGrp="1" noRot="1" noChangeAspect="1" noMove="1" noResize="1" noEditPoints="1" noAdjustHandles="1" noChangeArrowheads="1" noChangeShapeType="1" noTextEdit="1"/>
-          </p:cNvSpPr>
-          <p:nvPr>
-            <p:extLst>
-              <p:ext uri="{386F3935-93C4-4BCD-93E2-E3B085C9AB24}">
-                <p16:designElem xmlns:p16="http://schemas.microsoft.com/office/powerpoint/2015/main" val="1"/>
-              </p:ext>
-            </p:extLst>
-          </p:nvPr>
-        </p:nvSpPr>
-        <p:spPr>
-          <a:xfrm flipV="1">
-            <a:off x="7550402" y="2455479"/>
-            <a:ext cx="4083433" cy="4083433"/>
-          </a:xfrm>
-          <a:prstGeom prst="arc">
-            <a:avLst/>
-          </a:prstGeom>
-          <a:ln w="127000" cap="rnd">
-            <a:solidFill>
-              <a:schemeClr val="accent4"/>
-            </a:solidFill>
-            <a:prstDash val="dash"/>
-          </a:ln>
-        </p:spPr>
-        <p:style>
-          <a:lnRef idx="1">
-            <a:schemeClr val="accent1"/>
-          </a:lnRef>
-          <a:fillRef idx="0">
-            <a:schemeClr val="accent1"/>
-          </a:fillRef>
-          <a:effectRef idx="0">
-            <a:schemeClr val="accent1"/>
-          </a:effectRef>
-          <a:fontRef idx="minor">
-            <a:schemeClr val="tx1"/>
-          </a:fontRef>
-        </p:style>
-        <p:txBody>
-          <a:bodyPr rtlCol="0" anchor="ctr"/>
-          <a:lstStyle/>
-          <a:p>
-            <a:pPr algn="ctr"/>
-            <a:endParaRPr lang="en-US" dirty="0"/>
-          </a:p>
-        </p:txBody>
-      </p:sp>
-      <p:sp>
-        <p:nvSpPr>
-          <p:cNvPr id="3" name="Content Placeholder 2">
-            <a:extLst>
-              <a:ext uri="{FF2B5EF4-FFF2-40B4-BE49-F238E27FC236}">
-                <a16:creationId xmlns:a16="http://schemas.microsoft.com/office/drawing/2014/main" id="{186D5587-3DC8-4364-8D77-848596FA8DCE}"/>
-              </a:ext>
-            </a:extLst>
-          </p:cNvPr>
-          <p:cNvSpPr>
-            <a:spLocks noGrp="1"/>
-          </p:cNvSpPr>
-          <p:nvPr>
-            <p:ph idx="1"/>
-          </p:nvPr>
-        </p:nvSpPr>
-        <p:spPr>
-          <a:xfrm>
-            <a:off x="4447308" y="591344"/>
-            <a:ext cx="6906491" cy="5585619"/>
-          </a:xfrm>
-        </p:spPr>
-        <p:txBody>
-          <a:bodyPr anchor="ctr">
-            <a:normAutofit/>
-          </a:bodyPr>
-          <a:lstStyle/>
-          <a:p>
-            <a:r>
-              <a:rPr lang="bg-BG" dirty="0"/>
-              <a:t>Марио Бошев</a:t>
-            </a:r>
-            <a:r>
-              <a:rPr lang="en-US" dirty="0"/>
-              <a:t> – Scrum trainer</a:t>
-            </a:r>
-            <a:endParaRPr lang="bg-BG" dirty="0"/>
-          </a:p>
-          <a:p>
-            <a:r>
-              <a:rPr lang="bg-BG" dirty="0"/>
-              <a:t>Венилин Дончев</a:t>
-            </a:r>
-            <a:r>
-              <a:rPr lang="en-US" dirty="0"/>
-              <a:t> – QA Engineer</a:t>
-            </a:r>
-            <a:endParaRPr lang="bg-BG" dirty="0"/>
-          </a:p>
-          <a:p>
-            <a:r>
-              <a:rPr lang="bg-BG" dirty="0"/>
-              <a:t>Петър Николов –</a:t>
-            </a:r>
-            <a:r>
-              <a:rPr lang="en-US" dirty="0"/>
-              <a:t> Back-End</a:t>
-            </a:r>
-            <a:endParaRPr lang="bg-BG" dirty="0"/>
-          </a:p>
-          <a:p>
-            <a:r>
-              <a:rPr lang="bg-BG" dirty="0"/>
-              <a:t>Кирил Димитров</a:t>
-            </a:r>
-            <a:r>
-              <a:rPr lang="en-US" dirty="0"/>
-              <a:t> – Front-End</a:t>
-            </a:r>
-          </a:p>
-        </p:txBody>
-      </p:sp>
-    </p:spTree>
-    <p:extLst>
-      <p:ext uri="{BB962C8B-B14F-4D97-AF65-F5344CB8AC3E}">
-        <p14:creationId xmlns:p14="http://schemas.microsoft.com/office/powerpoint/2010/main" val="1304709078"/>
       </p:ext>
     </p:extLst>
   </p:cSld>
@@ -9359,12 +9303,20 @@
           <a:lstStyle/>
           <a:p>
             <a:r>
+              <a:rPr lang="en-US" sz="6600" dirty="0">
+                <a:solidFill>
+                  <a:srgbClr val="FFFFFF"/>
+                </a:solidFill>
+              </a:rPr>
+              <a:t>Thank you for your attention</a:t>
+            </a:r>
+            <a:r>
               <a:rPr lang="bg-BG" sz="6600" dirty="0">
                 <a:solidFill>
                   <a:srgbClr val="FFFFFF"/>
                 </a:solidFill>
               </a:rPr>
-              <a:t>Благодарим за вниманието!</a:t>
+              <a:t>!</a:t>
             </a:r>
             <a:endParaRPr lang="en-US" sz="6600" dirty="0">
               <a:solidFill>
@@ -10351,6 +10303,14 @@
 </file>
 
 <file path=customXml/item1.xml><?xml version="1.0" encoding="utf-8"?>
+<p:properties xmlns:p="http://schemas.microsoft.com/office/2006/metadata/properties" xmlns:xsi="http://www.w3.org/2001/XMLSchema-instance" xmlns:pc="http://schemas.microsoft.com/office/infopath/2007/PartnerControls">
+  <documentManagement>
+    <MediaServiceKeyPoints xmlns="71af3243-3dd4-4a8d-8c0d-dd76da1f02a5" xsi:nil="true"/>
+  </documentManagement>
+</p:properties>
+</file>
+
+<file path=customXml/item2.xml><?xml version="1.0" encoding="utf-8"?>
 <ct:contentTypeSchema xmlns:ct="http://schemas.microsoft.com/office/2006/metadata/contentType" xmlns:ma="http://schemas.microsoft.com/office/2006/metadata/properties/metaAttributes" ct:_="" ma:_="" ma:contentTypeName="Document" ma:contentTypeID="0x01010079F111ED35F8CC479449609E8A0923A6" ma:contentTypeVersion="11" ma:contentTypeDescription="Create a new document." ma:contentTypeScope="" ma:versionID="9677210f24a1be23c92c90fd886aa0aa">
   <xsd:schema xmlns:xsd="http://www.w3.org/2001/XMLSchema" xmlns:xs="http://www.w3.org/2001/XMLSchema" xmlns:p="http://schemas.microsoft.com/office/2006/metadata/properties" xmlns:ns2="71af3243-3dd4-4a8d-8c0d-dd76da1f02a5" xmlns:ns3="16c05727-aa75-4e4a-9b5f-8a80a1165891" targetNamespace="http://schemas.microsoft.com/office/2006/metadata/properties" ma:root="true" ma:fieldsID="60e05723c5c1908df1a1a4ebf11d344e" ns2:_="" ns3:_="">
     <xsd:import namespace="71af3243-3dd4-4a8d-8c0d-dd76da1f02a5"/>
@@ -10561,14 +10521,6 @@
 </ct:contentTypeSchema>
 </file>
 
-<file path=customXml/item2.xml><?xml version="1.0" encoding="utf-8"?>
-<p:properties xmlns:p="http://schemas.microsoft.com/office/2006/metadata/properties" xmlns:xsi="http://www.w3.org/2001/XMLSchema-instance" xmlns:pc="http://schemas.microsoft.com/office/infopath/2007/PartnerControls">
-  <documentManagement>
-    <MediaServiceKeyPoints xmlns="71af3243-3dd4-4a8d-8c0d-dd76da1f02a5" xsi:nil="true"/>
-  </documentManagement>
-</p:properties>
-</file>
-
 <file path=customXml/item3.xml><?xml version="1.0" encoding="utf-8"?>
 <?mso-contentType ?>
 <FormTemplates xmlns="http://schemas.microsoft.com/sharepoint/v3/contenttype/forms">
@@ -10579,6 +10531,23 @@
 </file>
 
 <file path=customXml/itemProps1.xml><?xml version="1.0" encoding="utf-8"?>
+<ds:datastoreItem xmlns:ds="http://schemas.openxmlformats.org/officeDocument/2006/customXml" ds:itemID="{7BC17B96-44E1-4D27-8275-49488FA5EBD9}">
+  <ds:schemaRefs>
+    <ds:schemaRef ds:uri="http://purl.org/dc/dcmitype/"/>
+    <ds:schemaRef ds:uri="http://schemas.microsoft.com/office/2006/documentManagement/types"/>
+    <ds:schemaRef ds:uri="http://schemas.microsoft.com/office/infopath/2007/PartnerControls"/>
+    <ds:schemaRef ds:uri="http://purl.org/dc/terms/"/>
+    <ds:schemaRef ds:uri="http://schemas.openxmlformats.org/package/2006/metadata/core-properties"/>
+    <ds:schemaRef ds:uri="71af3243-3dd4-4a8d-8c0d-dd76da1f02a5"/>
+    <ds:schemaRef ds:uri="http://www.w3.org/XML/1998/namespace"/>
+    <ds:schemaRef ds:uri="16c05727-aa75-4e4a-9b5f-8a80a1165891"/>
+    <ds:schemaRef ds:uri="http://schemas.microsoft.com/office/2006/metadata/properties"/>
+    <ds:schemaRef ds:uri="http://purl.org/dc/elements/1.1/"/>
+  </ds:schemaRefs>
+</ds:datastoreItem>
+</file>
+
+<file path=customXml/itemProps2.xml><?xml version="1.0" encoding="utf-8"?>
 <ds:datastoreItem xmlns:ds="http://schemas.openxmlformats.org/officeDocument/2006/customXml" ds:itemID="{01F3672F-4ECD-442D-A450-8D0D8AE9ABEE}">
   <ds:schemaRefs>
     <ds:schemaRef ds:uri="http://schemas.microsoft.com/office/2006/metadata/contentType"/>
@@ -10597,23 +10566,6 @@
 </ds:datastoreItem>
 </file>
 
-<file path=customXml/itemProps2.xml><?xml version="1.0" encoding="utf-8"?>
-<ds:datastoreItem xmlns:ds="http://schemas.openxmlformats.org/officeDocument/2006/customXml" ds:itemID="{7BC17B96-44E1-4D27-8275-49488FA5EBD9}">
-  <ds:schemaRefs>
-    <ds:schemaRef ds:uri="http://purl.org/dc/dcmitype/"/>
-    <ds:schemaRef ds:uri="http://schemas.microsoft.com/office/2006/documentManagement/types"/>
-    <ds:schemaRef ds:uri="http://schemas.microsoft.com/office/infopath/2007/PartnerControls"/>
-    <ds:schemaRef ds:uri="http://purl.org/dc/terms/"/>
-    <ds:schemaRef ds:uri="http://schemas.openxmlformats.org/package/2006/metadata/core-properties"/>
-    <ds:schemaRef ds:uri="71af3243-3dd4-4a8d-8c0d-dd76da1f02a5"/>
-    <ds:schemaRef ds:uri="http://www.w3.org/XML/1998/namespace"/>
-    <ds:schemaRef ds:uri="16c05727-aa75-4e4a-9b5f-8a80a1165891"/>
-    <ds:schemaRef ds:uri="http://schemas.microsoft.com/office/2006/metadata/properties"/>
-    <ds:schemaRef ds:uri="http://purl.org/dc/elements/1.1/"/>
-  </ds:schemaRefs>
-</ds:datastoreItem>
-</file>
-
 <file path=customXml/itemProps3.xml><?xml version="1.0" encoding="utf-8"?>
 <ds:datastoreItem xmlns:ds="http://schemas.openxmlformats.org/officeDocument/2006/customXml" ds:itemID="{BE274086-DBC4-4534-ADD1-A99867C702D6}">
   <ds:schemaRefs>
